--- a/Zillow_Powerpoint.pptx
+++ b/Zillow_Powerpoint.pptx
@@ -4769,10 +4769,10 @@
       </p:sp>
       <p:pic>
         <p:nvPicPr>
-          <p:cNvPr id="3" name="Picture 2">
+          <p:cNvPr id="7" name="Picture 6" descr="A close up of a map&#10;&#10;Description automatically generated">
             <a:extLst>
               <a:ext uri="{FF2B5EF4-FFF2-40B4-BE49-F238E27FC236}">
-                <a16:creationId xmlns:a16="http://schemas.microsoft.com/office/drawing/2014/main" id="{A8C52DBF-3058-4BA4-9076-1D1576D99078}"/>
+                <a16:creationId xmlns:a16="http://schemas.microsoft.com/office/drawing/2014/main" id="{9B767041-C7AF-4D96-9C1E-9C014FF46458}"/>
               </a:ext>
             </a:extLst>
           </p:cNvPr>
@@ -4782,15 +4782,21 @@
           <p:nvPr/>
         </p:nvPicPr>
         <p:blipFill>
-          <a:blip r:embed="rId3"/>
+          <a:blip r:embed="rId3">
+            <a:extLst>
+              <a:ext uri="{28A0092B-C50C-407E-A947-70E740481C1C}">
+                <a14:useLocalDpi xmlns:a14="http://schemas.microsoft.com/office/drawing/2010/main" val="0"/>
+              </a:ext>
+            </a:extLst>
+          </a:blip>
           <a:stretch>
             <a:fillRect/>
           </a:stretch>
         </p:blipFill>
         <p:spPr>
           <a:xfrm>
-            <a:off x="2265707" y="1596646"/>
-            <a:ext cx="7448550" cy="4686300"/>
+            <a:off x="3098755" y="1873857"/>
+            <a:ext cx="5994490" cy="4279685"/>
           </a:xfrm>
           <a:prstGeom prst="rect">
             <a:avLst/>
@@ -5228,7 +5234,7 @@
         <p:spPr>
           <a:xfrm>
             <a:off x="319815" y="1430855"/>
-            <a:ext cx="10774905" cy="6986528"/>
+            <a:ext cx="11338785" cy="6124754"/>
           </a:xfrm>
           <a:prstGeom prst="rect">
             <a:avLst/>
@@ -5255,7 +5261,7 @@
                 <a:latin typeface="Candara" panose="020E0502030303020204" pitchFamily="34" charset="0"/>
                 <a:cs typeface="Aharoni" panose="02010803020104030203" pitchFamily="2" charset="-79"/>
               </a:rPr>
-              <a:t>Unable to determine ideal month to purchase a home</a:t>
+              <a:t>In 2019 best month to purchase was May and best to sell is December</a:t>
             </a:r>
           </a:p>
           <a:p>
